--- a/Systemtechnikprojekt/Systemtechnikprojekt/01_Organisation/02_Meilensteine/m1/m1c/Praesentation_m1c.pptx
+++ b/Systemtechnikprojekt/Systemtechnikprojekt/01_Organisation/02_Meilensteine/m1/m1c/Praesentation_m1c.pptx
@@ -11181,7 +11181,7 @@
               <a:rPr lang="de-CH" sz="2800" b="1" dirty="0">
                 <a:latin typeface="+mj-lt"/>
               </a:rPr>
-              <a:t>Versuchstechnik / Schnittstellen</a:t>
+              <a:t>Versuchstechnik</a:t>
             </a:r>
           </a:p>
         </p:txBody>
@@ -11195,7 +11195,7 @@
         <p:spPr>
           <a:xfrm>
             <a:off x="633368" y="1623458"/>
-            <a:ext cx="8043088" cy="1774845"/>
+            <a:ext cx="8043088" cy="2718693"/>
           </a:xfrm>
           <a:prstGeom prst="rect">
             <a:avLst/>
@@ -11212,14 +11212,44 @@
               <a:spcAft>
                 <a:spcPts val="800"/>
               </a:spcAft>
-              <a:buFontTx/>
+              <a:buFont typeface="Symbol" pitchFamily="2" charset="2"/>
               <a:buChar char="-"/>
             </a:pPr>
             <a:r>
               <a:rPr lang="de-CH" sz="2400" dirty="0">
                 <a:latin typeface="Calibri" panose="020F0502020204030204" pitchFamily="34" charset="0"/>
               </a:rPr>
-              <a:t>Maximalgewicht: 3kg (Schwerster Vorgänger: 2.2kg) </a:t>
+              <a:t>Anpressdruck</a:t>
+            </a:r>
+          </a:p>
+          <a:p>
+            <a:pPr marL="800100" lvl="1" indent="-342900">
+              <a:spcAft>
+                <a:spcPts val="800"/>
+              </a:spcAft>
+              <a:buFont typeface="Arial" panose="020B0604020202020204" pitchFamily="34" charset="0"/>
+              <a:buChar char="•"/>
+            </a:pPr>
+            <a:r>
+              <a:rPr lang="de-CH" sz="2400" dirty="0">
+                <a:latin typeface="Calibri" panose="020F0502020204030204" pitchFamily="34" charset="0"/>
+              </a:rPr>
+              <a:t>Erster Stein auf Legoplatte</a:t>
+            </a:r>
+          </a:p>
+          <a:p>
+            <a:pPr marL="800100" lvl="1" indent="-342900">
+              <a:spcAft>
+                <a:spcPts val="800"/>
+              </a:spcAft>
+              <a:buFont typeface="Arial" panose="020B0604020202020204" pitchFamily="34" charset="0"/>
+              <a:buChar char="•"/>
+            </a:pPr>
+            <a:r>
+              <a:rPr lang="de-CH" sz="2400" dirty="0">
+                <a:latin typeface="Calibri" panose="020F0502020204030204" pitchFamily="34" charset="0"/>
+              </a:rPr>
+              <a:t>Stein auf Stein</a:t>
             </a:r>
           </a:p>
           <a:p>
@@ -11227,14 +11257,14 @@
               <a:spcAft>
                 <a:spcPts val="800"/>
               </a:spcAft>
-              <a:buFontTx/>
+              <a:buFont typeface="Symbol" pitchFamily="2" charset="2"/>
               <a:buChar char="-"/>
             </a:pPr>
             <a:r>
               <a:rPr lang="de-CH" sz="2400" dirty="0">
                 <a:latin typeface="Calibri" panose="020F0502020204030204" pitchFamily="34" charset="0"/>
               </a:rPr>
-              <a:t>Grösse: 160mm x 160mm x 160mm</a:t>
+              <a:t>Greifer</a:t>
             </a:r>
           </a:p>
           <a:p>
@@ -19822,116 +19852,6 @@
       </p:sp>
       <p:pic>
         <p:nvPicPr>
-          <p:cNvPr id="12" name="Grafik 11"/>
-          <p:cNvPicPr>
-            <a:picLocks noChangeAspect="1"/>
-          </p:cNvPicPr>
-          <p:nvPr/>
-        </p:nvPicPr>
-        <p:blipFill>
-          <a:blip r:embed="rId2"/>
-          <a:stretch>
-            <a:fillRect/>
-          </a:stretch>
-        </p:blipFill>
-        <p:spPr>
-          <a:xfrm>
-            <a:off x="4211960" y="621137"/>
-            <a:ext cx="4821020" cy="5695720"/>
-          </a:xfrm>
-          <a:prstGeom prst="rect">
-            <a:avLst/>
-          </a:prstGeom>
-        </p:spPr>
-      </p:pic>
-      <p:sp>
-        <p:nvSpPr>
-          <p:cNvPr id="4" name="Rechteck 3"/>
-          <p:cNvSpPr/>
-          <p:nvPr/>
-        </p:nvSpPr>
-        <p:spPr>
-          <a:xfrm>
-            <a:off x="2725440" y="621137"/>
-            <a:ext cx="1486520" cy="3507788"/>
-          </a:xfrm>
-          <a:prstGeom prst="rect">
-            <a:avLst/>
-          </a:prstGeom>
-        </p:spPr>
-        <p:style>
-          <a:lnRef idx="2">
-            <a:schemeClr val="accent1">
-              <a:shade val="50000"/>
-            </a:schemeClr>
-          </a:lnRef>
-          <a:fillRef idx="1">
-            <a:schemeClr val="accent1"/>
-          </a:fillRef>
-          <a:effectRef idx="0">
-            <a:schemeClr val="accent1"/>
-          </a:effectRef>
-          <a:fontRef idx="minor">
-            <a:schemeClr val="lt1"/>
-          </a:fontRef>
-        </p:style>
-        <p:txBody>
-          <a:bodyPr rtlCol="0" anchor="ctr"/>
-          <a:lstStyle/>
-          <a:p>
-            <a:pPr algn="ctr"/>
-            <a:r>
-              <a:rPr lang="de-CH" dirty="0"/>
-              <a:t>Eigenständige Bewegung  </a:t>
-            </a:r>
-          </a:p>
-        </p:txBody>
-      </p:sp>
-      <p:sp>
-        <p:nvSpPr>
-          <p:cNvPr id="15" name="Rechteck 14"/>
-          <p:cNvSpPr/>
-          <p:nvPr/>
-        </p:nvSpPr>
-        <p:spPr>
-          <a:xfrm>
-            <a:off x="2725440" y="4128925"/>
-            <a:ext cx="1486520" cy="2187932"/>
-          </a:xfrm>
-          <a:prstGeom prst="rect">
-            <a:avLst/>
-          </a:prstGeom>
-        </p:spPr>
-        <p:style>
-          <a:lnRef idx="2">
-            <a:schemeClr val="accent6">
-              <a:shade val="50000"/>
-            </a:schemeClr>
-          </a:lnRef>
-          <a:fillRef idx="1">
-            <a:schemeClr val="accent6"/>
-          </a:fillRef>
-          <a:effectRef idx="0">
-            <a:schemeClr val="accent6"/>
-          </a:effectRef>
-          <a:fontRef idx="minor">
-            <a:schemeClr val="lt1"/>
-          </a:fontRef>
-        </p:style>
-        <p:txBody>
-          <a:bodyPr rtlCol="0" anchor="ctr"/>
-          <a:lstStyle/>
-          <a:p>
-            <a:pPr algn="ctr"/>
-            <a:r>
-              <a:rPr lang="de-CH" dirty="0"/>
-              <a:t>Gemeinsame Bewegung  </a:t>
-            </a:r>
-          </a:p>
-        </p:txBody>
-      </p:sp>
-      <p:pic>
-        <p:nvPicPr>
           <p:cNvPr id="13" name="Grafik 12">
             <a:extLst>
               <a:ext uri="{FF2B5EF4-FFF2-40B4-BE49-F238E27FC236}">
@@ -19945,7 +19865,7 @@
           <p:nvPr/>
         </p:nvPicPr>
         <p:blipFill>
-          <a:blip r:embed="rId3">
+          <a:blip r:embed="rId2">
             <a:extLst>
               <a:ext uri="{28A0092B-C50C-407E-A947-70E740481C1C}">
                 <a14:useLocalDpi xmlns:a14="http://schemas.microsoft.com/office/drawing/2010/main" val="0"/>
